--- a/Lectures/CS418-Lecture15-SimpleInteraction.pptx
+++ b/Lectures/CS418-Lecture15-SimpleInteraction.pptx
@@ -217,7 +217,7 @@
           <a:p>
             <a:fld id="{564DAAA6-4117-4992-859F-BAA0EB4FC72C}" type="datetimeFigureOut">
               <a:rPr lang="en-US" smtClean="0"/>
-              <a:t>3/5/2019</a:t>
+              <a:t>10/15/2019</a:t>
             </a:fld>
             <a:endParaRPr lang="en-US"/>
           </a:p>
@@ -617,7 +617,7 @@
           <a:p>
             <a:fld id="{CF64A208-0694-964E-93B1-EAF2C4DF2BAD}" type="datetimeFigureOut">
               <a:rPr lang="en-US" smtClean="0"/>
-              <a:t>3/5/2019</a:t>
+              <a:t>10/15/2019</a:t>
             </a:fld>
             <a:endParaRPr lang="en-US"/>
           </a:p>
@@ -824,7 +824,7 @@
             <a:fld id="{CF64A208-0694-964E-93B1-EAF2C4DF2BAD}" type="datetimeFigureOut">
               <a:rPr lang="en-US" smtClean="0"/>
               <a:pPr/>
-              <a:t>3/5/2019</a:t>
+              <a:t>10/15/2019</a:t>
             </a:fld>
             <a:endParaRPr lang="en-US" dirty="0"/>
           </a:p>
@@ -1054,7 +1054,7 @@
             <a:fld id="{CF64A208-0694-964E-93B1-EAF2C4DF2BAD}" type="datetimeFigureOut">
               <a:rPr lang="en-US" smtClean="0"/>
               <a:pPr/>
-              <a:t>3/5/2019</a:t>
+              <a:t>10/15/2019</a:t>
             </a:fld>
             <a:endParaRPr lang="en-US" dirty="0"/>
           </a:p>
@@ -1267,7 +1267,7 @@
           <a:p>
             <a:fld id="{CF64A208-0694-964E-93B1-EAF2C4DF2BAD}" type="datetimeFigureOut">
               <a:rPr lang="en-US" smtClean="0"/>
-              <a:t>3/5/2019</a:t>
+              <a:t>10/15/2019</a:t>
             </a:fld>
             <a:endParaRPr lang="en-US"/>
           </a:p>
@@ -1522,7 +1522,7 @@
             <a:fld id="{CF64A208-0694-964E-93B1-EAF2C4DF2BAD}" type="datetimeFigureOut">
               <a:rPr lang="en-US" smtClean="0"/>
               <a:pPr/>
-              <a:t>3/5/2019</a:t>
+              <a:t>10/15/2019</a:t>
             </a:fld>
             <a:endParaRPr lang="en-US" dirty="0"/>
           </a:p>
@@ -1822,7 +1822,7 @@
           <a:p>
             <a:fld id="{CF64A208-0694-964E-93B1-EAF2C4DF2BAD}" type="datetimeFigureOut">
               <a:rPr lang="en-US" smtClean="0"/>
-              <a:t>3/5/2019</a:t>
+              <a:t>10/15/2019</a:t>
             </a:fld>
             <a:endParaRPr lang="en-US"/>
           </a:p>
@@ -2255,7 +2255,7 @@
             <a:fld id="{CF64A208-0694-964E-93B1-EAF2C4DF2BAD}" type="datetimeFigureOut">
               <a:rPr lang="en-US" smtClean="0"/>
               <a:pPr/>
-              <a:t>3/5/2019</a:t>
+              <a:t>10/15/2019</a:t>
             </a:fld>
             <a:endParaRPr lang="en-US" dirty="0"/>
           </a:p>
@@ -2398,7 +2398,7 @@
             <a:fld id="{CF64A208-0694-964E-93B1-EAF2C4DF2BAD}" type="datetimeFigureOut">
               <a:rPr lang="en-US" smtClean="0"/>
               <a:pPr/>
-              <a:t>3/5/2019</a:t>
+              <a:t>10/15/2019</a:t>
             </a:fld>
             <a:endParaRPr lang="en-US" dirty="0"/>
           </a:p>
@@ -2513,7 +2513,7 @@
             <a:fld id="{CF64A208-0694-964E-93B1-EAF2C4DF2BAD}" type="datetimeFigureOut">
               <a:rPr lang="en-US" smtClean="0"/>
               <a:pPr/>
-              <a:t>3/5/2019</a:t>
+              <a:t>10/15/2019</a:t>
             </a:fld>
             <a:endParaRPr lang="en-US" dirty="0"/>
           </a:p>
@@ -2822,7 +2822,7 @@
             <a:fld id="{CF64A208-0694-964E-93B1-EAF2C4DF2BAD}" type="datetimeFigureOut">
               <a:rPr lang="en-US" smtClean="0"/>
               <a:pPr/>
-              <a:t>3/5/2019</a:t>
+              <a:t>10/15/2019</a:t>
             </a:fld>
             <a:endParaRPr lang="en-US" dirty="0"/>
           </a:p>
@@ -3103,7 +3103,7 @@
             <a:fld id="{CF64A208-0694-964E-93B1-EAF2C4DF2BAD}" type="datetimeFigureOut">
               <a:rPr lang="en-US" smtClean="0"/>
               <a:pPr/>
-              <a:t>3/5/2019</a:t>
+              <a:t>10/15/2019</a:t>
             </a:fld>
             <a:endParaRPr lang="en-US" dirty="0"/>
           </a:p>
@@ -3327,7 +3327,7 @@
           <a:p>
             <a:fld id="{CF64A208-0694-964E-93B1-EAF2C4DF2BAD}" type="datetimeFigureOut">
               <a:rPr lang="en-US" smtClean="0"/>
-              <a:t>3/5/2019</a:t>
+              <a:t>10/15/2019</a:t>
             </a:fld>
             <a:endParaRPr lang="en-US"/>
           </a:p>
@@ -3781,7 +3781,7 @@
         </p:spPr>
         <p:txBody>
           <a:bodyPr vert="horz" lIns="91440" tIns="45720" rIns="91440" bIns="45720" rtlCol="0" anchor="b">
-            <a:normAutofit fontScale="67500" lnSpcReduction="20000"/>
+            <a:normAutofit fontScale="75000" lnSpcReduction="20000"/>
           </a:bodyPr>
           <a:lstStyle>
             <a:lvl1pPr algn="ctr" defTabSz="914400" rtl="0" eaLnBrk="1" latinLnBrk="0" hangingPunct="1">
@@ -4794,7 +4794,12 @@
             <p:ph type="title"/>
           </p:nvPr>
         </p:nvSpPr>
-        <p:spPr/>
+        <p:spPr>
+          <a:xfrm>
+            <a:off x="51601" y="-121435"/>
+            <a:ext cx="10515600" cy="1325563"/>
+          </a:xfrm>
+        </p:spPr>
         <p:txBody>
           <a:bodyPr/>
           <a:lstStyle/>
@@ -4808,10 +4813,10 @@
       </p:sp>
       <p:pic>
         <p:nvPicPr>
-          <p:cNvPr id="4" name="Picture 3">
+          <p:cNvPr id="3" name="Picture 2">
             <a:extLst>
               <a:ext uri="{FF2B5EF4-FFF2-40B4-BE49-F238E27FC236}">
-                <a16:creationId xmlns:a16="http://schemas.microsoft.com/office/drawing/2014/main" id="{3B6C1EA5-6ADD-4D26-9CB2-774181C0878B}"/>
+                <a16:creationId xmlns:a16="http://schemas.microsoft.com/office/drawing/2014/main" id="{B8786410-092A-47B4-ACF0-A079B534F3BD}"/>
               </a:ext>
             </a:extLst>
           </p:cNvPr>
@@ -4820,33 +4825,57 @@
           </p:cNvPicPr>
           <p:nvPr/>
         </p:nvPicPr>
-        <p:blipFill>
+        <p:blipFill rotWithShape="1">
           <a:blip r:embed="rId2"/>
-          <a:stretch>
-            <a:fillRect/>
-          </a:stretch>
+          <a:srcRect t="6244" r="30230" b="5800"/>
+          <a:stretch/>
         </p:blipFill>
         <p:spPr>
           <a:xfrm>
-            <a:off x="6400625" y="673895"/>
-            <a:ext cx="4724400" cy="5943600"/>
+            <a:off x="6292223" y="166843"/>
+            <a:ext cx="5848176" cy="2860646"/>
           </a:xfrm>
           <a:prstGeom prst="rect">
             <a:avLst/>
           </a:prstGeom>
-          <a:ln>
+          <a:solidFill>
+            <a:srgbClr val="FFFFFF">
+              <a:shade val="85000"/>
+            </a:srgbClr>
+          </a:solidFill>
+          <a:ln w="88900" cap="sq">
             <a:solidFill>
-              <a:schemeClr val="accent2"/>
+              <a:srgbClr val="FFFFFF"/>
             </a:solidFill>
+            <a:miter lim="800000"/>
           </a:ln>
+          <a:effectLst>
+            <a:outerShdw blurRad="55000" dist="18000" dir="5400000" algn="tl" rotWithShape="0">
+              <a:srgbClr val="000000">
+                <a:alpha val="40000"/>
+              </a:srgbClr>
+            </a:outerShdw>
+          </a:effectLst>
+          <a:scene3d>
+            <a:camera prst="orthographicFront"/>
+            <a:lightRig rig="twoPt" dir="t">
+              <a:rot lat="0" lon="0" rev="7200000"/>
+            </a:lightRig>
+          </a:scene3d>
+          <a:sp3d>
+            <a:bevelT w="25400" h="19050"/>
+            <a:contourClr>
+              <a:srgbClr val="FFFFFF"/>
+            </a:contourClr>
+          </a:sp3d>
         </p:spPr>
       </p:pic>
       <p:pic>
         <p:nvPicPr>
-          <p:cNvPr id="5" name="Picture 4">
+          <p:cNvPr id="6" name="Picture 5">
             <a:extLst>
               <a:ext uri="{FF2B5EF4-FFF2-40B4-BE49-F238E27FC236}">
-                <a16:creationId xmlns:a16="http://schemas.microsoft.com/office/drawing/2014/main" id="{5435A3D0-0F42-4D7D-A467-D5B2928A6A7B}"/>
+                <a16:creationId xmlns:a16="http://schemas.microsoft.com/office/drawing/2014/main" id="{6432AF63-1A50-4EC4-810B-737422340659}"/>
               </a:ext>
             </a:extLst>
           </p:cNvPr>
@@ -4863,17 +4892,102 @@
         </p:blipFill>
         <p:spPr>
           <a:xfrm>
-            <a:off x="1166812" y="1473995"/>
-            <a:ext cx="4238625" cy="5143500"/>
+            <a:off x="51601" y="1779734"/>
+            <a:ext cx="6044399" cy="3298532"/>
           </a:xfrm>
           <a:prstGeom prst="rect">
             <a:avLst/>
           </a:prstGeom>
-          <a:ln>
+          <a:solidFill>
+            <a:srgbClr val="FFFFFF">
+              <a:shade val="85000"/>
+            </a:srgbClr>
+          </a:solidFill>
+          <a:ln w="88900" cap="sq">
             <a:solidFill>
-              <a:schemeClr val="accent2"/>
+              <a:srgbClr val="FFFFFF"/>
             </a:solidFill>
+            <a:miter lim="800000"/>
           </a:ln>
+          <a:effectLst>
+            <a:outerShdw blurRad="55000" dist="18000" dir="5400000" algn="tl" rotWithShape="0">
+              <a:srgbClr val="000000">
+                <a:alpha val="40000"/>
+              </a:srgbClr>
+            </a:outerShdw>
+          </a:effectLst>
+          <a:scene3d>
+            <a:camera prst="orthographicFront"/>
+            <a:lightRig rig="twoPt" dir="t">
+              <a:rot lat="0" lon="0" rev="7200000"/>
+            </a:lightRig>
+          </a:scene3d>
+          <a:sp3d>
+            <a:bevelT w="25400" h="19050"/>
+            <a:contourClr>
+              <a:srgbClr val="FFFFFF"/>
+            </a:contourClr>
+          </a:sp3d>
+        </p:spPr>
+      </p:pic>
+      <p:pic>
+        <p:nvPicPr>
+          <p:cNvPr id="7" name="Picture 6">
+            <a:extLst>
+              <a:ext uri="{FF2B5EF4-FFF2-40B4-BE49-F238E27FC236}">
+                <a16:creationId xmlns:a16="http://schemas.microsoft.com/office/drawing/2014/main" id="{A4F7348C-470D-4C70-9294-7C68229390CA}"/>
+              </a:ext>
+            </a:extLst>
+          </p:cNvPr>
+          <p:cNvPicPr>
+            <a:picLocks noChangeAspect="1"/>
+          </p:cNvPicPr>
+          <p:nvPr/>
+        </p:nvPicPr>
+        <p:blipFill>
+          <a:blip r:embed="rId4"/>
+          <a:stretch>
+            <a:fillRect/>
+          </a:stretch>
+        </p:blipFill>
+        <p:spPr>
+          <a:xfrm>
+            <a:off x="6367750" y="3253902"/>
+            <a:ext cx="5500897" cy="3437255"/>
+          </a:xfrm>
+          <a:prstGeom prst="rect">
+            <a:avLst/>
+          </a:prstGeom>
+          <a:solidFill>
+            <a:srgbClr val="FFFFFF">
+              <a:shade val="85000"/>
+            </a:srgbClr>
+          </a:solidFill>
+          <a:ln w="88900" cap="sq">
+            <a:solidFill>
+              <a:srgbClr val="FFFFFF"/>
+            </a:solidFill>
+            <a:miter lim="800000"/>
+          </a:ln>
+          <a:effectLst>
+            <a:outerShdw blurRad="55000" dist="18000" dir="5400000" algn="tl" rotWithShape="0">
+              <a:srgbClr val="000000">
+                <a:alpha val="40000"/>
+              </a:srgbClr>
+            </a:outerShdw>
+          </a:effectLst>
+          <a:scene3d>
+            <a:camera prst="orthographicFront"/>
+            <a:lightRig rig="twoPt" dir="t">
+              <a:rot lat="0" lon="0" rev="7200000"/>
+            </a:lightRig>
+          </a:scene3d>
+          <a:sp3d>
+            <a:bevelT w="25400" h="19050"/>
+            <a:contourClr>
+              <a:srgbClr val="FFFFFF"/>
+            </a:contourClr>
+          </a:sp3d>
         </p:spPr>
       </p:pic>
     </p:spTree>
@@ -5064,36 +5178,6 @@
           </a:p>
         </p:txBody>
       </p:sp>
-      <p:pic>
-        <p:nvPicPr>
-          <p:cNvPr id="7" name="Picture 6">
-            <a:extLst>
-              <a:ext uri="{FF2B5EF4-FFF2-40B4-BE49-F238E27FC236}">
-                <a16:creationId xmlns:a16="http://schemas.microsoft.com/office/drawing/2014/main" id="{78C68C9F-505A-4790-93DB-FFB56514BD56}"/>
-              </a:ext>
-            </a:extLst>
-          </p:cNvPr>
-          <p:cNvPicPr>
-            <a:picLocks noChangeAspect="1"/>
-          </p:cNvPicPr>
-          <p:nvPr/>
-        </p:nvPicPr>
-        <p:blipFill>
-          <a:blip r:embed="rId2"/>
-          <a:stretch>
-            <a:fillRect/>
-          </a:stretch>
-        </p:blipFill>
-        <p:spPr>
-          <a:xfrm>
-            <a:off x="6924677" y="48401"/>
-            <a:ext cx="4749196" cy="5968501"/>
-          </a:xfrm>
-          <a:prstGeom prst="rect">
-            <a:avLst/>
-          </a:prstGeom>
-        </p:spPr>
-      </p:pic>
     </p:spTree>
     <p:extLst>
       <p:ext uri="{BB962C8B-B14F-4D97-AF65-F5344CB8AC3E}">
